--- a/TypingTutorFinal.pptx
+++ b/TypingTutorFinal.pptx
@@ -2,7 +2,7 @@
 <file path=ppt/presentation.xml><?xml version="1.0" encoding="utf-8"?>
 <p:presentation xmlns:a="http://schemas.openxmlformats.org/drawingml/2006/main" xmlns:r="http://schemas.openxmlformats.org/officeDocument/2006/relationships" xmlns:p="http://schemas.openxmlformats.org/presentationml/2006/main" autoCompressPictures="0">
   <p:sldMasterIdLst>
-    <p:sldMasterId id="2147483669" r:id="rId1"/>
+    <p:sldMasterId id="2147483687" r:id="rId1"/>
   </p:sldMasterIdLst>
   <p:sldIdLst>
     <p:sldId id="256" r:id="rId2"/>
@@ -110,6 +110,11 @@
       </a:defRPr>
     </a:lvl9pPr>
   </p:defaultTextStyle>
+  <p:extLst>
+    <p:ext uri="{EFAFB233-063F-42B5-8137-9DF3F51BA10A}">
+      <p15:sldGuideLst xmlns:p15="http://schemas.microsoft.com/office/powerpoint/2012/main"/>
+    </p:ext>
+  </p:extLst>
 </p:presentation>
 </file>
 
@@ -191,7 +196,9 @@
               <a:buNone/>
               <a:defRPr sz="2100">
                 <a:solidFill>
-                  <a:schemeClr val="tx1"/>
+                  <a:schemeClr val="bg2">
+                    <a:lumMod val="75000"/>
+                  </a:schemeClr>
                 </a:solidFill>
               </a:defRPr>
             </a:lvl1pPr>
@@ -303,7 +310,7 @@
             <a:fld id="{B61BEF0D-F0BB-DE4B-95CE-6DB70DBA9567}" type="datetimeFigureOut">
               <a:rPr lang="en-US" smtClean="0"/>
               <a:pPr/>
-              <a:t>4/30/2015</a:t>
+              <a:t>5/1/2015</a:t>
             </a:fld>
             <a:endParaRPr lang="en-US" dirty="0"/>
           </a:p>
@@ -530,7 +537,7 @@
     </p:spTree>
     <p:extLst>
       <p:ext uri="{BB962C8B-B14F-4D97-AF65-F5344CB8AC3E}">
-        <p14:creationId xmlns:p14="http://schemas.microsoft.com/office/powerpoint/2010/main" val="1602195647"/>
+        <p14:creationId xmlns:p14="http://schemas.microsoft.com/office/powerpoint/2010/main" val="1642976082"/>
       </p:ext>
     </p:extLst>
   </p:cSld>
@@ -741,7 +748,7 @@
             <a:fld id="{B61BEF0D-F0BB-DE4B-95CE-6DB70DBA9567}" type="datetimeFigureOut">
               <a:rPr lang="en-US" smtClean="0"/>
               <a:pPr/>
-              <a:t>4/30/2015</a:t>
+              <a:t>5/1/2015</a:t>
             </a:fld>
             <a:endParaRPr lang="en-US" dirty="0"/>
           </a:p>
@@ -793,7 +800,7 @@
     </p:spTree>
     <p:extLst>
       <p:ext uri="{BB962C8B-B14F-4D97-AF65-F5344CB8AC3E}">
-        <p14:creationId xmlns:p14="http://schemas.microsoft.com/office/powerpoint/2010/main" val="606003502"/>
+        <p14:creationId xmlns:p14="http://schemas.microsoft.com/office/powerpoint/2010/main" val="644447884"/>
       </p:ext>
     </p:extLst>
   </p:cSld>
@@ -879,7 +886,9 @@
               <a:buNone/>
               <a:defRPr sz="2000">
                 <a:solidFill>
-                  <a:schemeClr val="tx1"/>
+                  <a:schemeClr val="bg2">
+                    <a:lumMod val="75000"/>
+                  </a:schemeClr>
                 </a:solidFill>
               </a:defRPr>
             </a:lvl1pPr>
@@ -991,7 +1000,7 @@
             <a:fld id="{B61BEF0D-F0BB-DE4B-95CE-6DB70DBA9567}" type="datetimeFigureOut">
               <a:rPr lang="en-US" smtClean="0"/>
               <a:pPr/>
-              <a:t>4/30/2015</a:t>
+              <a:t>5/1/2015</a:t>
             </a:fld>
             <a:endParaRPr lang="en-US" dirty="0"/>
           </a:p>
@@ -1043,7 +1052,7 @@
     </p:spTree>
     <p:extLst>
       <p:ext uri="{BB962C8B-B14F-4D97-AF65-F5344CB8AC3E}">
-        <p14:creationId xmlns:p14="http://schemas.microsoft.com/office/powerpoint/2010/main" val="1292047451"/>
+        <p14:creationId xmlns:p14="http://schemas.microsoft.com/office/powerpoint/2010/main" val="1098872135"/>
       </p:ext>
     </p:extLst>
   </p:cSld>
@@ -1187,7 +1196,9 @@
               <a:buNone/>
               <a:defRPr sz="2000">
                 <a:solidFill>
-                  <a:schemeClr val="tx1"/>
+                  <a:schemeClr val="bg2">
+                    <a:lumMod val="75000"/>
+                  </a:schemeClr>
                 </a:solidFill>
               </a:defRPr>
             </a:lvl1pPr>
@@ -1299,7 +1310,7 @@
             <a:fld id="{B61BEF0D-F0BB-DE4B-95CE-6DB70DBA9567}" type="datetimeFigureOut">
               <a:rPr lang="en-US" smtClean="0"/>
               <a:pPr/>
-              <a:t>4/30/2015</a:t>
+              <a:t>5/1/2015</a:t>
             </a:fld>
             <a:endParaRPr lang="en-US" dirty="0"/>
           </a:p>
@@ -1419,7 +1430,7 @@
     </p:spTree>
     <p:extLst>
       <p:ext uri="{BB962C8B-B14F-4D97-AF65-F5344CB8AC3E}">
-        <p14:creationId xmlns:p14="http://schemas.microsoft.com/office/powerpoint/2010/main" val="1227327458"/>
+        <p14:creationId xmlns:p14="http://schemas.microsoft.com/office/powerpoint/2010/main" val="469834680"/>
       </p:ext>
     </p:extLst>
   </p:cSld>
@@ -1505,7 +1516,9 @@
               <a:buNone/>
               <a:defRPr sz="2000">
                 <a:solidFill>
-                  <a:schemeClr val="tx1"/>
+                  <a:schemeClr val="bg2">
+                    <a:lumMod val="75000"/>
+                  </a:schemeClr>
                 </a:solidFill>
               </a:defRPr>
             </a:lvl1pPr>
@@ -1617,7 +1630,7 @@
             <a:fld id="{B61BEF0D-F0BB-DE4B-95CE-6DB70DBA9567}" type="datetimeFigureOut">
               <a:rPr lang="en-US" smtClean="0"/>
               <a:pPr/>
-              <a:t>4/30/2015</a:t>
+              <a:t>5/1/2015</a:t>
             </a:fld>
             <a:endParaRPr lang="en-US" dirty="0"/>
           </a:p>
@@ -1669,7 +1682,7 @@
     </p:spTree>
     <p:extLst>
       <p:ext uri="{BB962C8B-B14F-4D97-AF65-F5344CB8AC3E}">
-        <p14:creationId xmlns:p14="http://schemas.microsoft.com/office/powerpoint/2010/main" val="3827953821"/>
+        <p14:creationId xmlns:p14="http://schemas.microsoft.com/office/powerpoint/2010/main" val="2080079401"/>
       </p:ext>
     </p:extLst>
   </p:cSld>
@@ -1807,7 +1820,9 @@
               <a:buNone/>
               <a:defRPr sz="1800">
                 <a:solidFill>
-                  <a:schemeClr val="tx1"/>
+                  <a:schemeClr val="bg2">
+                    <a:lumMod val="75000"/>
+                  </a:schemeClr>
                 </a:solidFill>
               </a:defRPr>
             </a:lvl1pPr>
@@ -1919,7 +1934,7 @@
             <a:fld id="{B61BEF0D-F0BB-DE4B-95CE-6DB70DBA9567}" type="datetimeFigureOut">
               <a:rPr lang="en-US" smtClean="0"/>
               <a:pPr/>
-              <a:t>4/30/2015</a:t>
+              <a:t>5/1/2015</a:t>
             </a:fld>
             <a:endParaRPr lang="en-US" dirty="0"/>
           </a:p>
@@ -2039,7 +2054,7 @@
     </p:spTree>
     <p:extLst>
       <p:ext uri="{BB962C8B-B14F-4D97-AF65-F5344CB8AC3E}">
-        <p14:creationId xmlns:p14="http://schemas.microsoft.com/office/powerpoint/2010/main" val="4122451889"/>
+        <p14:creationId xmlns:p14="http://schemas.microsoft.com/office/powerpoint/2010/main" val="1011863289"/>
       </p:ext>
     </p:extLst>
   </p:cSld>
@@ -2174,7 +2189,9 @@
               <a:buNone/>
               <a:defRPr sz="1800">
                 <a:solidFill>
-                  <a:schemeClr val="tx1"/>
+                  <a:schemeClr val="bg2">
+                    <a:lumMod val="75000"/>
+                  </a:schemeClr>
                 </a:solidFill>
               </a:defRPr>
             </a:lvl1pPr>
@@ -2286,7 +2303,7 @@
             <a:fld id="{B61BEF0D-F0BB-DE4B-95CE-6DB70DBA9567}" type="datetimeFigureOut">
               <a:rPr lang="en-US" smtClean="0"/>
               <a:pPr/>
-              <a:t>4/30/2015</a:t>
+              <a:t>5/1/2015</a:t>
             </a:fld>
             <a:endParaRPr lang="en-US" dirty="0"/>
           </a:p>
@@ -2338,7 +2355,7 @@
     </p:spTree>
     <p:extLst>
       <p:ext uri="{BB962C8B-B14F-4D97-AF65-F5344CB8AC3E}">
-        <p14:creationId xmlns:p14="http://schemas.microsoft.com/office/powerpoint/2010/main" val="3018240267"/>
+        <p14:creationId xmlns:p14="http://schemas.microsoft.com/office/powerpoint/2010/main" val="3707707981"/>
       </p:ext>
     </p:extLst>
   </p:cSld>
@@ -2462,7 +2479,7 @@
             <a:fld id="{B61BEF0D-F0BB-DE4B-95CE-6DB70DBA9567}" type="datetimeFigureOut">
               <a:rPr lang="en-US" smtClean="0"/>
               <a:pPr/>
-              <a:t>4/30/2015</a:t>
+              <a:t>5/1/2015</a:t>
             </a:fld>
             <a:endParaRPr lang="en-US" dirty="0"/>
           </a:p>
@@ -2514,7 +2531,7 @@
     </p:spTree>
     <p:extLst>
       <p:ext uri="{BB962C8B-B14F-4D97-AF65-F5344CB8AC3E}">
-        <p14:creationId xmlns:p14="http://schemas.microsoft.com/office/powerpoint/2010/main" val="194613099"/>
+        <p14:creationId xmlns:p14="http://schemas.microsoft.com/office/powerpoint/2010/main" val="199224558"/>
       </p:ext>
     </p:extLst>
   </p:cSld>
@@ -2644,7 +2661,7 @@
             <a:fld id="{B61BEF0D-F0BB-DE4B-95CE-6DB70DBA9567}" type="datetimeFigureOut">
               <a:rPr lang="en-US" smtClean="0"/>
               <a:pPr/>
-              <a:t>4/30/2015</a:t>
+              <a:t>5/1/2015</a:t>
             </a:fld>
             <a:endParaRPr lang="en-US" dirty="0"/>
           </a:p>
@@ -2696,7 +2713,7 @@
     </p:spTree>
     <p:extLst>
       <p:ext uri="{BB962C8B-B14F-4D97-AF65-F5344CB8AC3E}">
-        <p14:creationId xmlns:p14="http://schemas.microsoft.com/office/powerpoint/2010/main" val="4275588735"/>
+        <p14:creationId xmlns:p14="http://schemas.microsoft.com/office/powerpoint/2010/main" val="3260358840"/>
       </p:ext>
     </p:extLst>
   </p:cSld>
@@ -2816,7 +2833,7 @@
             <a:fld id="{B61BEF0D-F0BB-DE4B-95CE-6DB70DBA9567}" type="datetimeFigureOut">
               <a:rPr lang="en-US" smtClean="0"/>
               <a:pPr/>
-              <a:t>4/30/2015</a:t>
+              <a:t>5/1/2015</a:t>
             </a:fld>
             <a:endParaRPr lang="en-US" dirty="0"/>
           </a:p>
@@ -2868,7 +2885,7 @@
     </p:spTree>
     <p:extLst>
       <p:ext uri="{BB962C8B-B14F-4D97-AF65-F5344CB8AC3E}">
-        <p14:creationId xmlns:p14="http://schemas.microsoft.com/office/powerpoint/2010/main" val="900067351"/>
+        <p14:creationId xmlns:p14="http://schemas.microsoft.com/office/powerpoint/2010/main" val="2393662213"/>
       </p:ext>
     </p:extLst>
   </p:cSld>
@@ -2954,7 +2971,9 @@
               <a:buNone/>
               <a:defRPr sz="1800">
                 <a:solidFill>
-                  <a:schemeClr val="tx1"/>
+                  <a:schemeClr val="bg2">
+                    <a:lumMod val="75000"/>
+                  </a:schemeClr>
                 </a:solidFill>
               </a:defRPr>
             </a:lvl1pPr>
@@ -3066,7 +3085,7 @@
             <a:fld id="{B61BEF0D-F0BB-DE4B-95CE-6DB70DBA9567}" type="datetimeFigureOut">
               <a:rPr lang="en-US" smtClean="0"/>
               <a:pPr/>
-              <a:t>4/30/2015</a:t>
+              <a:t>5/1/2015</a:t>
             </a:fld>
             <a:endParaRPr lang="en-US" dirty="0"/>
           </a:p>
@@ -3118,7 +3137,7 @@
     </p:spTree>
     <p:extLst>
       <p:ext uri="{BB962C8B-B14F-4D97-AF65-F5344CB8AC3E}">
-        <p14:creationId xmlns:p14="http://schemas.microsoft.com/office/powerpoint/2010/main" val="825783540"/>
+        <p14:creationId xmlns:p14="http://schemas.microsoft.com/office/powerpoint/2010/main" val="3926403258"/>
       </p:ext>
     </p:extLst>
   </p:cSld>
@@ -3304,7 +3323,7 @@
             <a:fld id="{B61BEF0D-F0BB-DE4B-95CE-6DB70DBA9567}" type="datetimeFigureOut">
               <a:rPr lang="en-US" smtClean="0"/>
               <a:pPr/>
-              <a:t>4/30/2015</a:t>
+              <a:t>5/1/2015</a:t>
             </a:fld>
             <a:endParaRPr lang="en-US" dirty="0"/>
           </a:p>
@@ -3356,7 +3375,7 @@
     </p:spTree>
     <p:extLst>
       <p:ext uri="{BB962C8B-B14F-4D97-AF65-F5344CB8AC3E}">
-        <p14:creationId xmlns:p14="http://schemas.microsoft.com/office/powerpoint/2010/main" val="1555843874"/>
+        <p14:creationId xmlns:p14="http://schemas.microsoft.com/office/powerpoint/2010/main" val="2006861701"/>
       </p:ext>
     </p:extLst>
   </p:cSld>
@@ -3688,7 +3707,7 @@
             <a:fld id="{B61BEF0D-F0BB-DE4B-95CE-6DB70DBA9567}" type="datetimeFigureOut">
               <a:rPr lang="en-US" smtClean="0"/>
               <a:pPr/>
-              <a:t>4/30/2015</a:t>
+              <a:t>5/1/2015</a:t>
             </a:fld>
             <a:endParaRPr lang="en-US" dirty="0"/>
           </a:p>
@@ -3740,7 +3759,7 @@
     </p:spTree>
     <p:extLst>
       <p:ext uri="{BB962C8B-B14F-4D97-AF65-F5344CB8AC3E}">
-        <p14:creationId xmlns:p14="http://schemas.microsoft.com/office/powerpoint/2010/main" val="3607063112"/>
+        <p14:creationId xmlns:p14="http://schemas.microsoft.com/office/powerpoint/2010/main" val="3551922809"/>
       </p:ext>
     </p:extLst>
   </p:cSld>
@@ -3808,7 +3827,7 @@
             <a:fld id="{B61BEF0D-F0BB-DE4B-95CE-6DB70DBA9567}" type="datetimeFigureOut">
               <a:rPr lang="en-US" smtClean="0"/>
               <a:pPr/>
-              <a:t>4/30/2015</a:t>
+              <a:t>5/1/2015</a:t>
             </a:fld>
             <a:endParaRPr lang="en-US" dirty="0"/>
           </a:p>
@@ -3860,7 +3879,7 @@
     </p:spTree>
     <p:extLst>
       <p:ext uri="{BB962C8B-B14F-4D97-AF65-F5344CB8AC3E}">
-        <p14:creationId xmlns:p14="http://schemas.microsoft.com/office/powerpoint/2010/main" val="1004647644"/>
+        <p14:creationId xmlns:p14="http://schemas.microsoft.com/office/powerpoint/2010/main" val="318961363"/>
       </p:ext>
     </p:extLst>
   </p:cSld>
@@ -3905,7 +3924,7 @@
             <a:fld id="{B61BEF0D-F0BB-DE4B-95CE-6DB70DBA9567}" type="datetimeFigureOut">
               <a:rPr lang="en-US" smtClean="0"/>
               <a:pPr/>
-              <a:t>4/30/2015</a:t>
+              <a:t>5/1/2015</a:t>
             </a:fld>
             <a:endParaRPr lang="en-US" dirty="0"/>
           </a:p>
@@ -3957,7 +3976,7 @@
     </p:spTree>
     <p:extLst>
       <p:ext uri="{BB962C8B-B14F-4D97-AF65-F5344CB8AC3E}">
-        <p14:creationId xmlns:p14="http://schemas.microsoft.com/office/powerpoint/2010/main" val="3102516410"/>
+        <p14:creationId xmlns:p14="http://schemas.microsoft.com/office/powerpoint/2010/main" val="3125204480"/>
       </p:ext>
     </p:extLst>
   </p:cSld>
@@ -4162,7 +4181,7 @@
             <a:fld id="{B61BEF0D-F0BB-DE4B-95CE-6DB70DBA9567}" type="datetimeFigureOut">
               <a:rPr lang="en-US" smtClean="0"/>
               <a:pPr/>
-              <a:t>4/30/2015</a:t>
+              <a:t>5/1/2015</a:t>
             </a:fld>
             <a:endParaRPr lang="en-US" dirty="0"/>
           </a:p>
@@ -4214,7 +4233,7 @@
     </p:spTree>
     <p:extLst>
       <p:ext uri="{BB962C8B-B14F-4D97-AF65-F5344CB8AC3E}">
-        <p14:creationId xmlns:p14="http://schemas.microsoft.com/office/powerpoint/2010/main" val="3991830587"/>
+        <p14:creationId xmlns:p14="http://schemas.microsoft.com/office/powerpoint/2010/main" val="3635757404"/>
       </p:ext>
     </p:extLst>
   </p:cSld>
@@ -4447,7 +4466,7 @@
             <a:fld id="{B61BEF0D-F0BB-DE4B-95CE-6DB70DBA9567}" type="datetimeFigureOut">
               <a:rPr lang="en-US" smtClean="0"/>
               <a:pPr/>
-              <a:t>4/30/2015</a:t>
+              <a:t>5/1/2015</a:t>
             </a:fld>
             <a:endParaRPr lang="en-US" dirty="0"/>
           </a:p>
@@ -4499,7 +4518,7 @@
     </p:spTree>
     <p:extLst>
       <p:ext uri="{BB962C8B-B14F-4D97-AF65-F5344CB8AC3E}">
-        <p14:creationId xmlns:p14="http://schemas.microsoft.com/office/powerpoint/2010/main" val="1615014865"/>
+        <p14:creationId xmlns:p14="http://schemas.microsoft.com/office/powerpoint/2010/main" val="822210237"/>
       </p:ext>
     </p:extLst>
   </p:cSld>
@@ -4855,7 +4874,7 @@
             <a:fld id="{B61BEF0D-F0BB-DE4B-95CE-6DB70DBA9567}" type="datetimeFigureOut">
               <a:rPr lang="en-US" smtClean="0"/>
               <a:pPr/>
-              <a:t>4/30/2015</a:t>
+              <a:t>5/1/2015</a:t>
             </a:fld>
             <a:endParaRPr lang="en-US" dirty="0"/>
           </a:p>
@@ -4947,29 +4966,29 @@
     </p:spTree>
     <p:extLst>
       <p:ext uri="{BB962C8B-B14F-4D97-AF65-F5344CB8AC3E}">
-        <p14:creationId xmlns:p14="http://schemas.microsoft.com/office/powerpoint/2010/main" val="436211101"/>
+        <p14:creationId xmlns:p14="http://schemas.microsoft.com/office/powerpoint/2010/main" val="2609827051"/>
       </p:ext>
     </p:extLst>
   </p:cSld>
   <p:clrMap bg1="dk1" tx1="lt1" bg2="dk2" tx2="lt2" accent1="accent1" accent2="accent2" accent3="accent3" accent4="accent4" accent5="accent5" accent6="accent6" hlink="hlink" folHlink="folHlink"/>
   <p:sldLayoutIdLst>
-    <p:sldLayoutId id="2147483670" r:id="rId1"/>
-    <p:sldLayoutId id="2147483671" r:id="rId2"/>
-    <p:sldLayoutId id="2147483672" r:id="rId3"/>
-    <p:sldLayoutId id="2147483673" r:id="rId4"/>
-    <p:sldLayoutId id="2147483674" r:id="rId5"/>
-    <p:sldLayoutId id="2147483675" r:id="rId6"/>
-    <p:sldLayoutId id="2147483676" r:id="rId7"/>
-    <p:sldLayoutId id="2147483677" r:id="rId8"/>
-    <p:sldLayoutId id="2147483678" r:id="rId9"/>
-    <p:sldLayoutId id="2147483679" r:id="rId10"/>
-    <p:sldLayoutId id="2147483680" r:id="rId11"/>
-    <p:sldLayoutId id="2147483681" r:id="rId12"/>
-    <p:sldLayoutId id="2147483682" r:id="rId13"/>
-    <p:sldLayoutId id="2147483683" r:id="rId14"/>
-    <p:sldLayoutId id="2147483684" r:id="rId15"/>
-    <p:sldLayoutId id="2147483685" r:id="rId16"/>
-    <p:sldLayoutId id="2147483686" r:id="rId17"/>
+    <p:sldLayoutId id="2147483688" r:id="rId1"/>
+    <p:sldLayoutId id="2147483689" r:id="rId2"/>
+    <p:sldLayoutId id="2147483690" r:id="rId3"/>
+    <p:sldLayoutId id="2147483691" r:id="rId4"/>
+    <p:sldLayoutId id="2147483692" r:id="rId5"/>
+    <p:sldLayoutId id="2147483693" r:id="rId6"/>
+    <p:sldLayoutId id="2147483694" r:id="rId7"/>
+    <p:sldLayoutId id="2147483695" r:id="rId8"/>
+    <p:sldLayoutId id="2147483696" r:id="rId9"/>
+    <p:sldLayoutId id="2147483697" r:id="rId10"/>
+    <p:sldLayoutId id="2147483698" r:id="rId11"/>
+    <p:sldLayoutId id="2147483699" r:id="rId12"/>
+    <p:sldLayoutId id="2147483700" r:id="rId13"/>
+    <p:sldLayoutId id="2147483701" r:id="rId14"/>
+    <p:sldLayoutId id="2147483702" r:id="rId15"/>
+    <p:sldLayoutId id="2147483703" r:id="rId16"/>
+    <p:sldLayoutId id="2147483704" r:id="rId17"/>
   </p:sldLayoutIdLst>
   <p:txStyles>
     <p:titleStyle>
@@ -5064,7 +5083,9 @@
         <a:buChar char=""/>
         <a:defRPr sz="2000" kern="1200" cap="none">
           <a:solidFill>
-            <a:schemeClr val="tx1"/>
+            <a:schemeClr val="bg2">
+              <a:lumMod val="75000"/>
+            </a:schemeClr>
           </a:solidFill>
           <a:effectLst/>
           <a:latin typeface="+mn-lt"/>
@@ -5087,7 +5108,9 @@
         <a:buChar char=""/>
         <a:defRPr sz="1800" kern="1200" cap="none">
           <a:solidFill>
-            <a:schemeClr val="tx1"/>
+            <a:schemeClr val="bg2">
+              <a:lumMod val="75000"/>
+            </a:schemeClr>
           </a:solidFill>
           <a:effectLst/>
           <a:latin typeface="+mn-lt"/>
@@ -5110,7 +5133,9 @@
         <a:buChar char=""/>
         <a:defRPr sz="1600" kern="1200" cap="none">
           <a:solidFill>
-            <a:schemeClr val="tx1"/>
+            <a:schemeClr val="bg2">
+              <a:lumMod val="75000"/>
+            </a:schemeClr>
           </a:solidFill>
           <a:effectLst/>
           <a:latin typeface="+mn-lt"/>
@@ -5133,7 +5158,9 @@
         <a:buChar char=""/>
         <a:defRPr sz="1400" kern="1200" cap="none">
           <a:solidFill>
-            <a:schemeClr val="tx1"/>
+            <a:schemeClr val="bg2">
+              <a:lumMod val="75000"/>
+            </a:schemeClr>
           </a:solidFill>
           <a:effectLst/>
           <a:latin typeface="+mn-lt"/>
@@ -5156,7 +5183,9 @@
         <a:buChar char=""/>
         <a:defRPr sz="1400" kern="1200" cap="none">
           <a:solidFill>
-            <a:schemeClr val="tx1"/>
+            <a:schemeClr val="bg2">
+              <a:lumMod val="75000"/>
+            </a:schemeClr>
           </a:solidFill>
           <a:effectLst/>
           <a:latin typeface="+mn-lt"/>
@@ -5179,7 +5208,9 @@
         <a:buChar char=""/>
         <a:defRPr sz="1400" kern="1200" cap="none">
           <a:solidFill>
-            <a:schemeClr val="tx1"/>
+            <a:schemeClr val="bg2">
+              <a:lumMod val="75000"/>
+            </a:schemeClr>
           </a:solidFill>
           <a:effectLst/>
           <a:latin typeface="+mn-lt"/>
@@ -5202,7 +5233,9 @@
         <a:buChar char=""/>
         <a:defRPr sz="1400" kern="1200" cap="none">
           <a:solidFill>
-            <a:schemeClr val="tx1"/>
+            <a:schemeClr val="bg2">
+              <a:lumMod val="75000"/>
+            </a:schemeClr>
           </a:solidFill>
           <a:effectLst/>
           <a:latin typeface="+mn-lt"/>
@@ -5225,7 +5258,9 @@
         <a:buChar char=""/>
         <a:defRPr sz="1400" kern="1200" cap="none">
           <a:solidFill>
-            <a:schemeClr val="tx1"/>
+            <a:schemeClr val="bg2">
+              <a:lumMod val="75000"/>
+            </a:schemeClr>
           </a:solidFill>
           <a:effectLst/>
           <a:latin typeface="+mn-lt"/>
@@ -5248,7 +5283,9 @@
         <a:buChar char=""/>
         <a:defRPr sz="1400" kern="1200" cap="none">
           <a:solidFill>
-            <a:schemeClr val="tx1"/>
+            <a:schemeClr val="bg2">
+              <a:lumMod val="75000"/>
+            </a:schemeClr>
           </a:solidFill>
           <a:effectLst/>
           <a:latin typeface="+mn-lt"/>
@@ -5414,10 +5451,18 @@
           <a:lstStyle/>
           <a:p>
             <a:r>
-              <a:rPr lang="en-US" sz="1600" dirty="0" smtClean="0"/>
+              <a:rPr lang="en-US" sz="1600" b="1" dirty="0" smtClean="0">
+                <a:solidFill>
+                  <a:schemeClr val="bg1"/>
+                </a:solidFill>
+              </a:rPr>
               <a:t>By: Jared Hughes, Ross O’Brien, Treva O’Keefe, Harrison Palmer</a:t>
             </a:r>
-            <a:endParaRPr lang="en-US" sz="1600" dirty="0"/>
+            <a:endParaRPr lang="en-US" sz="1600" b="1" dirty="0">
+              <a:solidFill>
+                <a:schemeClr val="bg1"/>
+              </a:solidFill>
+            </a:endParaRPr>
           </a:p>
         </p:txBody>
       </p:sp>
@@ -5502,60 +5547,108 @@
           <a:lstStyle/>
           <a:p>
             <a:r>
-              <a:rPr lang="en-US" dirty="0"/>
+              <a:rPr lang="en-US" b="1" dirty="0">
+                <a:solidFill>
+                  <a:schemeClr val="bg1"/>
+                </a:solidFill>
+              </a:rPr>
               <a:t>Project </a:t>
             </a:r>
             <a:r>
-              <a:rPr lang="en-US" dirty="0" smtClean="0"/>
+              <a:rPr lang="en-US" b="1" dirty="0" smtClean="0">
+                <a:solidFill>
+                  <a:schemeClr val="bg1"/>
+                </a:solidFill>
+              </a:rPr>
               <a:t>Overview</a:t>
             </a:r>
           </a:p>
           <a:p>
-            <a:endParaRPr lang="en-US" dirty="0"/>
-          </a:p>
-          <a:p>
-            <a:r>
-              <a:rPr lang="en-US" dirty="0"/>
+            <a:endParaRPr lang="en-US" b="1" dirty="0">
+              <a:solidFill>
+                <a:schemeClr val="bg1"/>
+              </a:solidFill>
+            </a:endParaRPr>
+          </a:p>
+          <a:p>
+            <a:r>
+              <a:rPr lang="en-US" b="1" dirty="0">
+                <a:solidFill>
+                  <a:schemeClr val="bg1"/>
+                </a:solidFill>
+              </a:rPr>
               <a:t>Divisions of </a:t>
             </a:r>
             <a:r>
-              <a:rPr lang="en-US" dirty="0" smtClean="0"/>
+              <a:rPr lang="en-US" b="1" dirty="0" smtClean="0">
+                <a:solidFill>
+                  <a:schemeClr val="bg1"/>
+                </a:solidFill>
+              </a:rPr>
               <a:t>Labor</a:t>
             </a:r>
           </a:p>
           <a:p>
-            <a:endParaRPr lang="en-US" dirty="0"/>
-          </a:p>
-          <a:p>
-            <a:r>
-              <a:rPr lang="en-US" dirty="0"/>
+            <a:endParaRPr lang="en-US" b="1" dirty="0">
+              <a:solidFill>
+                <a:schemeClr val="bg1"/>
+              </a:solidFill>
+            </a:endParaRPr>
+          </a:p>
+          <a:p>
+            <a:r>
+              <a:rPr lang="en-US" b="1" dirty="0">
+                <a:solidFill>
+                  <a:schemeClr val="bg1"/>
+                </a:solidFill>
+              </a:rPr>
               <a:t>Results to </a:t>
             </a:r>
             <a:r>
-              <a:rPr lang="en-US" dirty="0" smtClean="0"/>
+              <a:rPr lang="en-US" b="1" dirty="0" smtClean="0">
+                <a:solidFill>
+                  <a:schemeClr val="bg1"/>
+                </a:solidFill>
+              </a:rPr>
               <a:t>Date</a:t>
             </a:r>
           </a:p>
           <a:p>
-            <a:endParaRPr lang="en-US" dirty="0"/>
-          </a:p>
-          <a:p>
-            <a:r>
-              <a:rPr lang="en-US" dirty="0" smtClean="0"/>
+            <a:endParaRPr lang="en-US" b="1" dirty="0">
+              <a:solidFill>
+                <a:schemeClr val="bg1"/>
+              </a:solidFill>
+            </a:endParaRPr>
+          </a:p>
+          <a:p>
+            <a:r>
+              <a:rPr lang="en-US" b="1" dirty="0" smtClean="0">
+                <a:solidFill>
+                  <a:schemeClr val="bg1"/>
+                </a:solidFill>
+              </a:rPr>
               <a:t>Roadblocks</a:t>
             </a:r>
           </a:p>
           <a:p>
-            <a:endParaRPr lang="en-US" dirty="0"/>
-          </a:p>
-          <a:p>
-            <a:r>
-              <a:rPr lang="en-US" dirty="0"/>
+            <a:endParaRPr lang="en-US" b="1" dirty="0">
+              <a:solidFill>
+                <a:schemeClr val="bg1"/>
+              </a:solidFill>
+            </a:endParaRPr>
+          </a:p>
+          <a:p>
+            <a:r>
+              <a:rPr lang="en-US" b="1" dirty="0">
+                <a:solidFill>
+                  <a:schemeClr val="bg1"/>
+                </a:solidFill>
+              </a:rPr>
               <a:t>Conclusion</a:t>
             </a:r>
           </a:p>
           <a:p>
-            <a:endParaRPr lang="en-US" dirty="0"/>
+            <a:endParaRPr lang="en-US" b="1" dirty="0"/>
           </a:p>
         </p:txBody>
       </p:sp>
@@ -5638,25 +5731,45 @@
           <a:lstStyle/>
           <a:p>
             <a:r>
-              <a:rPr lang="en-US" dirty="0"/>
+              <a:rPr lang="en-US" b="1" dirty="0">
+                <a:solidFill>
+                  <a:schemeClr val="bg1"/>
+                </a:solidFill>
+              </a:rPr>
               <a:t>Creating a typing tutor to help the user properly learn to type</a:t>
             </a:r>
           </a:p>
           <a:p>
-            <a:endParaRPr lang="en-US" dirty="0"/>
-          </a:p>
-          <a:p>
-            <a:r>
-              <a:rPr lang="en-US" dirty="0"/>
+            <a:endParaRPr lang="en-US" b="1" dirty="0">
+              <a:solidFill>
+                <a:schemeClr val="bg1"/>
+              </a:solidFill>
+            </a:endParaRPr>
+          </a:p>
+          <a:p>
+            <a:r>
+              <a:rPr lang="en-US" b="1" dirty="0">
+                <a:solidFill>
+                  <a:schemeClr val="bg1"/>
+                </a:solidFill>
+              </a:rPr>
               <a:t>Displaying text and asking the user to type what is being shown</a:t>
             </a:r>
           </a:p>
           <a:p>
-            <a:endParaRPr lang="en-US" dirty="0"/>
-          </a:p>
-          <a:p>
-            <a:r>
-              <a:rPr lang="en-US" dirty="0"/>
+            <a:endParaRPr lang="en-US" b="1" dirty="0">
+              <a:solidFill>
+                <a:schemeClr val="bg1"/>
+              </a:solidFill>
+            </a:endParaRPr>
+          </a:p>
+          <a:p>
+            <a:r>
+              <a:rPr lang="en-US" b="1" dirty="0">
+                <a:solidFill>
+                  <a:schemeClr val="bg1"/>
+                </a:solidFill>
+              </a:rPr>
               <a:t>Having a displayable keyboard that interacts with the users actions</a:t>
             </a:r>
           </a:p>
@@ -5740,59 +5853,112 @@
           </a:xfrm>
         </p:spPr>
         <p:txBody>
-          <a:bodyPr/>
-          <a:lstStyle/>
-          <a:p>
-            <a:r>
-              <a:rPr lang="en-US" dirty="0"/>
-              <a:t>Split into two different programming groups</a:t>
-            </a:r>
-          </a:p>
-          <a:p>
-            <a:r>
-              <a:rPr lang="en-US" dirty="0"/>
+          <a:bodyPr>
+            <a:normAutofit lnSpcReduction="10000"/>
+          </a:bodyPr>
+          <a:lstStyle/>
+          <a:p>
+            <a:r>
+              <a:rPr lang="en-US" b="1" dirty="0">
+                <a:solidFill>
+                  <a:schemeClr val="bg1"/>
+                </a:solidFill>
+              </a:rPr>
+              <a:t>Split into two different programming </a:t>
+            </a:r>
+            <a:r>
+              <a:rPr lang="en-US" b="1" dirty="0" smtClean="0">
+                <a:solidFill>
+                  <a:schemeClr val="bg1"/>
+                </a:solidFill>
+              </a:rPr>
+              <a:t>groups</a:t>
+            </a:r>
+          </a:p>
+          <a:p>
+            <a:endParaRPr lang="en-US" b="1" dirty="0">
+              <a:solidFill>
+                <a:schemeClr val="bg1"/>
+              </a:solidFill>
+            </a:endParaRPr>
+          </a:p>
+          <a:p>
+            <a:r>
+              <a:rPr lang="en-US" b="1" dirty="0">
+                <a:solidFill>
+                  <a:schemeClr val="bg1"/>
+                </a:solidFill>
+              </a:rPr>
               <a:t>Ross and Harrison:</a:t>
             </a:r>
           </a:p>
           <a:p>
             <a:pPr lvl="1"/>
             <a:r>
-              <a:rPr lang="en-US" dirty="0"/>
+              <a:rPr lang="en-US" b="1" dirty="0">
+                <a:solidFill>
+                  <a:schemeClr val="bg1"/>
+                </a:solidFill>
+              </a:rPr>
               <a:t>Creating core functions and keyboard setup</a:t>
             </a:r>
           </a:p>
           <a:p>
             <a:pPr lvl="1"/>
             <a:r>
-              <a:rPr lang="en-US" dirty="0"/>
+              <a:rPr lang="en-US" b="1" dirty="0">
+                <a:solidFill>
+                  <a:schemeClr val="bg1"/>
+                </a:solidFill>
+              </a:rPr>
               <a:t>Creating real-time </a:t>
             </a:r>
             <a:r>
-              <a:rPr lang="en-US" dirty="0" smtClean="0"/>
+              <a:rPr lang="en-US" b="1" dirty="0" smtClean="0">
+                <a:solidFill>
+                  <a:schemeClr val="bg1"/>
+                </a:solidFill>
+              </a:rPr>
               <a:t>Statistics</a:t>
             </a:r>
           </a:p>
           <a:p>
             <a:pPr lvl="1"/>
-            <a:endParaRPr lang="en-US" dirty="0"/>
-          </a:p>
-          <a:p>
-            <a:r>
-              <a:rPr lang="en-US" dirty="0"/>
+            <a:endParaRPr lang="en-US" b="1" dirty="0">
+              <a:solidFill>
+                <a:schemeClr val="bg1"/>
+              </a:solidFill>
+            </a:endParaRPr>
+          </a:p>
+          <a:p>
+            <a:r>
+              <a:rPr lang="en-US" b="1" dirty="0">
+                <a:solidFill>
+                  <a:schemeClr val="bg1"/>
+                </a:solidFill>
+              </a:rPr>
               <a:t>Jared and Treva:</a:t>
             </a:r>
           </a:p>
           <a:p>
             <a:pPr lvl="1"/>
             <a:r>
-              <a:rPr lang="en-US" dirty="0"/>
+              <a:rPr lang="en-US" b="1" dirty="0">
+                <a:solidFill>
+                  <a:schemeClr val="bg1"/>
+                </a:solidFill>
+              </a:rPr>
               <a:t>Graphical design/implementation and Level Designer</a:t>
             </a:r>
           </a:p>
           <a:p>
             <a:pPr lvl="1"/>
             <a:r>
-              <a:rPr lang="en-US" dirty="0"/>
+              <a:rPr lang="en-US" b="1" dirty="0">
+                <a:solidFill>
+                  <a:schemeClr val="bg1"/>
+                </a:solidFill>
+              </a:rPr>
               <a:t>PowerPoint producers</a:t>
             </a:r>
           </a:p>
@@ -5879,7 +6045,70 @@
           <a:bodyPr/>
           <a:lstStyle/>
           <a:p>
-            <a:endParaRPr lang="en-US" dirty="0"/>
+            <a:r>
+              <a:rPr lang="en-US" b="1" dirty="0" smtClean="0">
+                <a:solidFill>
+                  <a:schemeClr val="bg1"/>
+                </a:solidFill>
+              </a:rPr>
+              <a:t>Individual Levels</a:t>
+            </a:r>
+          </a:p>
+          <a:p>
+            <a:pPr lvl="1"/>
+            <a:r>
+              <a:rPr lang="en-US" b="1" dirty="0" smtClean="0">
+                <a:solidFill>
+                  <a:schemeClr val="bg1"/>
+                </a:solidFill>
+              </a:rPr>
+              <a:t>Allows user to pick difficulty</a:t>
+            </a:r>
+          </a:p>
+          <a:p>
+            <a:pPr lvl="1"/>
+            <a:endParaRPr lang="en-US" b="1" dirty="0" smtClean="0">
+              <a:solidFill>
+                <a:schemeClr val="bg1"/>
+              </a:solidFill>
+            </a:endParaRPr>
+          </a:p>
+          <a:p>
+            <a:r>
+              <a:rPr lang="en-US" b="1" dirty="0" smtClean="0">
+                <a:solidFill>
+                  <a:schemeClr val="bg1"/>
+                </a:solidFill>
+              </a:rPr>
+              <a:t>Graphics display when correct or incorrectly pressed</a:t>
+            </a:r>
+          </a:p>
+          <a:p>
+            <a:endParaRPr lang="en-US" b="1" dirty="0" smtClean="0">
+              <a:solidFill>
+                <a:schemeClr val="bg1"/>
+              </a:solidFill>
+            </a:endParaRPr>
+          </a:p>
+          <a:p>
+            <a:r>
+              <a:rPr lang="en-US" b="1" dirty="0" smtClean="0">
+                <a:solidFill>
+                  <a:schemeClr val="bg1"/>
+                </a:solidFill>
+              </a:rPr>
+              <a:t>Allows user to try to type the given sentence</a:t>
+            </a:r>
+          </a:p>
+          <a:p>
+            <a:pPr marL="457200" lvl="1" indent="0">
+              <a:buNone/>
+            </a:pPr>
+            <a:endParaRPr lang="en-US" dirty="0">
+              <a:solidFill>
+                <a:schemeClr val="bg1"/>
+              </a:solidFill>
+            </a:endParaRPr>
           </a:p>
         </p:txBody>
       </p:sp>
@@ -5964,51 +6193,99 @@
           <a:lstStyle/>
           <a:p>
             <a:r>
-              <a:rPr lang="en-US" dirty="0"/>
+              <a:rPr lang="en-US" b="1" dirty="0">
+                <a:solidFill>
+                  <a:schemeClr val="bg1"/>
+                </a:solidFill>
+              </a:rPr>
               <a:t>Image Errors</a:t>
             </a:r>
           </a:p>
           <a:p>
-            <a:endParaRPr lang="en-US" dirty="0"/>
-          </a:p>
-          <a:p>
-            <a:r>
-              <a:rPr lang="en-US" dirty="0"/>
+            <a:endParaRPr lang="en-US" b="1" dirty="0">
+              <a:solidFill>
+                <a:schemeClr val="bg1"/>
+              </a:solidFill>
+            </a:endParaRPr>
+          </a:p>
+          <a:p>
+            <a:r>
+              <a:rPr lang="en-US" b="1" dirty="0">
+                <a:solidFill>
+                  <a:schemeClr val="bg1"/>
+                </a:solidFill>
+              </a:rPr>
               <a:t>GitHub Syncing</a:t>
             </a:r>
           </a:p>
           <a:p>
-            <a:endParaRPr lang="en-US" dirty="0"/>
-          </a:p>
-          <a:p>
-            <a:r>
-              <a:rPr lang="en-US" dirty="0"/>
+            <a:endParaRPr lang="en-US" b="1" dirty="0">
+              <a:solidFill>
+                <a:schemeClr val="bg1"/>
+              </a:solidFill>
+            </a:endParaRPr>
+          </a:p>
+          <a:p>
+            <a:r>
+              <a:rPr lang="en-US" b="1" dirty="0">
+                <a:solidFill>
+                  <a:schemeClr val="bg1"/>
+                </a:solidFill>
+              </a:rPr>
               <a:t>Translating Numbers into Characters</a:t>
             </a:r>
           </a:p>
           <a:p>
-            <a:endParaRPr lang="en-US" dirty="0"/>
-          </a:p>
-          <a:p>
-            <a:r>
-              <a:rPr lang="en-US" dirty="0"/>
+            <a:endParaRPr lang="en-US" b="1" dirty="0">
+              <a:solidFill>
+                <a:schemeClr val="bg1"/>
+              </a:solidFill>
+            </a:endParaRPr>
+          </a:p>
+          <a:p>
+            <a:r>
+              <a:rPr lang="en-US" b="1" dirty="0">
+                <a:solidFill>
+                  <a:schemeClr val="bg1"/>
+                </a:solidFill>
+              </a:rPr>
               <a:t>Arrays of </a:t>
             </a:r>
             <a:r>
-              <a:rPr lang="en-US" dirty="0" smtClean="0"/>
+              <a:rPr lang="en-US" b="1" dirty="0" smtClean="0">
+                <a:solidFill>
+                  <a:schemeClr val="bg1"/>
+                </a:solidFill>
+              </a:rPr>
               <a:t>Objects</a:t>
             </a:r>
-            <a:endParaRPr lang="en-US" dirty="0"/>
-          </a:p>
-          <a:p>
-            <a:endParaRPr lang="en-US" dirty="0" smtClean="0"/>
-          </a:p>
-          <a:p>
-            <a:r>
-              <a:rPr lang="en-US" dirty="0" smtClean="0"/>
+            <a:endParaRPr lang="en-US" b="1" dirty="0">
+              <a:solidFill>
+                <a:schemeClr val="bg1"/>
+              </a:solidFill>
+            </a:endParaRPr>
+          </a:p>
+          <a:p>
+            <a:endParaRPr lang="en-US" b="1" dirty="0" smtClean="0">
+              <a:solidFill>
+                <a:schemeClr val="bg1"/>
+              </a:solidFill>
+            </a:endParaRPr>
+          </a:p>
+          <a:p>
+            <a:r>
+              <a:rPr lang="en-US" b="1" dirty="0" smtClean="0">
+                <a:solidFill>
+                  <a:schemeClr val="bg1"/>
+                </a:solidFill>
+              </a:rPr>
               <a:t>Time</a:t>
             </a:r>
-            <a:endParaRPr lang="en-US" dirty="0"/>
+            <a:endParaRPr lang="en-US" b="1" dirty="0">
+              <a:solidFill>
+                <a:schemeClr val="bg1"/>
+              </a:solidFill>
+            </a:endParaRPr>
           </a:p>
         </p:txBody>
       </p:sp>
@@ -6090,7 +6367,76 @@
           <a:bodyPr/>
           <a:lstStyle/>
           <a:p>
-            <a:endParaRPr lang="en-US" dirty="0"/>
+            <a:r>
+              <a:rPr lang="en-US" b="1" dirty="0" smtClean="0">
+                <a:solidFill>
+                  <a:schemeClr val="bg1"/>
+                </a:solidFill>
+              </a:rPr>
+              <a:t>In conclusion we made notable progress</a:t>
+            </a:r>
+          </a:p>
+          <a:p>
+            <a:pPr lvl="1"/>
+            <a:r>
+              <a:rPr lang="en-US" b="1" dirty="0" smtClean="0">
+                <a:solidFill>
+                  <a:schemeClr val="bg1"/>
+                </a:solidFill>
+              </a:rPr>
+              <a:t>We were following original timeline</a:t>
+            </a:r>
+          </a:p>
+          <a:p>
+            <a:pPr lvl="1"/>
+            <a:endParaRPr lang="en-US" b="1" dirty="0" smtClean="0">
+              <a:solidFill>
+                <a:schemeClr val="bg1"/>
+              </a:solidFill>
+            </a:endParaRPr>
+          </a:p>
+          <a:p>
+            <a:r>
+              <a:rPr lang="en-US" b="1" dirty="0" smtClean="0">
+                <a:solidFill>
+                  <a:schemeClr val="bg1"/>
+                </a:solidFill>
+              </a:rPr>
+              <a:t>Made a lot of progress in the final stretch</a:t>
+            </a:r>
+          </a:p>
+          <a:p>
+            <a:endParaRPr lang="en-US" b="1" dirty="0" smtClean="0">
+              <a:solidFill>
+                <a:schemeClr val="bg1"/>
+              </a:solidFill>
+            </a:endParaRPr>
+          </a:p>
+          <a:p>
+            <a:r>
+              <a:rPr lang="en-US" b="1" dirty="0" smtClean="0">
+                <a:solidFill>
+                  <a:schemeClr val="bg1"/>
+                </a:solidFill>
+              </a:rPr>
+              <a:t>Almost finished</a:t>
+            </a:r>
+          </a:p>
+          <a:p>
+            <a:pPr lvl="1"/>
+            <a:r>
+              <a:rPr lang="en-US" b="1" dirty="0" smtClean="0">
+                <a:solidFill>
+                  <a:schemeClr val="bg1"/>
+                </a:solidFill>
+              </a:rPr>
+              <a:t>Small details we wanted to add</a:t>
+            </a:r>
+            <a:endParaRPr lang="en-US" b="1" dirty="0" smtClean="0">
+              <a:solidFill>
+                <a:schemeClr val="bg1"/>
+              </a:solidFill>
+            </a:endParaRPr>
           </a:p>
         </p:txBody>
       </p:sp>
@@ -6110,7 +6456,7 @@
 <file path=ppt/theme/theme1.xml><?xml version="1.0" encoding="utf-8"?>
 <a:theme xmlns:a="http://schemas.openxmlformats.org/drawingml/2006/main" name="Slice">
   <a:themeElements>
-    <a:clrScheme name="Green">
+    <a:clrScheme name="Blue">
       <a:dk1>
         <a:sysClr val="windowText" lastClr="000000"/>
       </a:dk1>
@@ -6118,34 +6464,34 @@
         <a:sysClr val="window" lastClr="FFFFFF"/>
       </a:lt1>
       <a:dk2>
-        <a:srgbClr val="455F51"/>
+        <a:srgbClr val="17406D"/>
       </a:dk2>
       <a:lt2>
-        <a:srgbClr val="E3DED1"/>
+        <a:srgbClr val="DBEFF9"/>
       </a:lt2>
       <a:accent1>
-        <a:srgbClr val="549E39"/>
+        <a:srgbClr val="0F6FC6"/>
       </a:accent1>
       <a:accent2>
-        <a:srgbClr val="8AB833"/>
+        <a:srgbClr val="009DD9"/>
       </a:accent2>
       <a:accent3>
-        <a:srgbClr val="C0CF3A"/>
+        <a:srgbClr val="0BD0D9"/>
       </a:accent3>
       <a:accent4>
-        <a:srgbClr val="029676"/>
+        <a:srgbClr val="10CF9B"/>
       </a:accent4>
       <a:accent5>
-        <a:srgbClr val="4AB5C4"/>
+        <a:srgbClr val="7CCA62"/>
       </a:accent5>
       <a:accent6>
-        <a:srgbClr val="0989B1"/>
+        <a:srgbClr val="A5C249"/>
       </a:accent6>
       <a:hlink>
-        <a:srgbClr val="6B9F25"/>
+        <a:srgbClr val="F49100"/>
       </a:hlink>
       <a:folHlink>
-        <a:srgbClr val="BA6906"/>
+        <a:srgbClr val="85DFD0"/>
       </a:folHlink>
     </a:clrScheme>
     <a:fontScheme name="Slice">
@@ -6331,17 +6677,16 @@
             <a:gs pos="10000">
               <a:schemeClr val="phClr">
                 <a:tint val="97000"/>
-                <a:hueMod val="142000"/>
-                <a:satMod val="200000"/>
-                <a:lumMod val="118000"/>
+                <a:hueMod val="92000"/>
+                <a:satMod val="169000"/>
+                <a:lumMod val="164000"/>
               </a:schemeClr>
             </a:gs>
             <a:gs pos="100000">
               <a:schemeClr val="phClr">
-                <a:shade val="94000"/>
-                <a:hueMod val="22000"/>
-                <a:satMod val="220000"/>
-                <a:lumMod val="62000"/>
+                <a:shade val="96000"/>
+                <a:satMod val="120000"/>
+                <a:lumMod val="90000"/>
               </a:schemeClr>
             </a:gs>
           </a:gsLst>
@@ -6352,17 +6697,16 @@
             <a:gs pos="0">
               <a:schemeClr val="phClr">
                 <a:tint val="97000"/>
-                <a:hueMod val="142000"/>
-                <a:satMod val="200000"/>
-                <a:lumMod val="118000"/>
+                <a:hueMod val="92000"/>
+                <a:satMod val="169000"/>
+                <a:lumMod val="164000"/>
               </a:schemeClr>
             </a:gs>
             <a:gs pos="100000">
               <a:schemeClr val="phClr">
-                <a:shade val="92000"/>
-                <a:hueMod val="22000"/>
-                <a:satMod val="220000"/>
-                <a:lumMod val="62000"/>
+                <a:shade val="96000"/>
+                <a:satMod val="120000"/>
+                <a:lumMod val="90000"/>
               </a:schemeClr>
             </a:gs>
           </a:gsLst>
@@ -6377,7 +6721,7 @@
   <a:extraClrSchemeLst/>
   <a:extLst>
     <a:ext uri="{05A4C25C-085E-4340-85A3-A5531E510DB2}">
-      <thm15:themeFamily xmlns:thm15="http://schemas.microsoft.com/office/thememl/2012/main" name="Slice" id="{0507925B-6AC9-4358-8E18-C330545D08F8}" vid="{2903AAAE-3EA5-424A-B142-CC51DC1F897D}"/>
+      <thm15:themeFamily xmlns:thm15="http://schemas.microsoft.com/office/thememl/2012/main" name="Slice" id="{0507925B-6AC9-4358-8E18-C330545D08F8}" vid="{13FEC7C6-62A9-40C4-99D2-581AACACAA2F}"/>
     </a:ext>
   </a:extLst>
 </a:theme>
